--- a/Präsentationen/03-Fortgeschrittene Transformationen/Präsentation/Pyspark_advaced.pptx
+++ b/Präsentationen/03-Fortgeschrittene Transformationen/Präsentation/Pyspark_advaced.pptx
@@ -4213,7 +4213,7 @@
           <a:p>
             <a:fld id="{EF3F0B1F-D673-4C4A-8728-8D2703E6B253}" type="datetimeFigureOut">
               <a:rPr lang="de-DE" smtClean="0"/>
-              <a:t>11.05.2022</a:t>
+              <a:t>12.05.2022</a:t>
             </a:fld>
             <a:endParaRPr lang="de-DE"/>
           </a:p>
@@ -5650,7 +5650,7 @@
           <a:p>
             <a:fld id="{26D6A3BD-1351-47C2-BB80-28B172A8BC67}" type="datetime4">
               <a:rPr lang="en-US" smtClean="0"/>
-              <a:t>May 11, 2022</a:t>
+              <a:t>May 12, 2022</a:t>
             </a:fld>
             <a:endParaRPr lang="en-US"/>
           </a:p>
@@ -5826,7 +5826,7 @@
           <a:p>
             <a:fld id="{E6CB15F1-7933-4E76-9137-72D8C9B28351}" type="datetime4">
               <a:rPr lang="en-US" smtClean="0"/>
-              <a:t>May 11, 2022</a:t>
+              <a:t>May 12, 2022</a:t>
             </a:fld>
             <a:endParaRPr lang="en-US"/>
           </a:p>
@@ -6065,7 +6065,7 @@
           <a:p>
             <a:fld id="{62F543C8-886D-41FA-8E25-DE0948C190A0}" type="datetime4">
               <a:rPr lang="en-US" smtClean="0"/>
-              <a:t>May 11, 2022</a:t>
+              <a:t>May 12, 2022</a:t>
             </a:fld>
             <a:endParaRPr lang="en-US"/>
           </a:p>
@@ -6270,7 +6270,7 @@
           <a:p>
             <a:fld id="{87477AD2-509E-4566-BA8A-4ECB08403BB1}" type="datetime4">
               <a:rPr lang="en-US" smtClean="0"/>
-              <a:t>May 11, 2022</a:t>
+              <a:t>May 12, 2022</a:t>
             </a:fld>
             <a:endParaRPr lang="en-US"/>
           </a:p>
@@ -6560,7 +6560,7 @@
           <a:p>
             <a:fld id="{1DB299C2-03B0-4C72-B038-356E0B9D1651}" type="datetime4">
               <a:rPr lang="en-US" smtClean="0"/>
-              <a:t>May 11, 2022</a:t>
+              <a:t>May 12, 2022</a:t>
             </a:fld>
             <a:endParaRPr lang="en-US"/>
           </a:p>
@@ -6850,7 +6850,7 @@
           <a:p>
             <a:fld id="{A2C3C639-3FA5-4EF5-B71F-72FB34E149C5}" type="datetime4">
               <a:rPr lang="en-US" smtClean="0"/>
-              <a:t>May 11, 2022</a:t>
+              <a:t>May 12, 2022</a:t>
             </a:fld>
             <a:endParaRPr lang="en-US" dirty="0"/>
           </a:p>
@@ -7273,7 +7273,7 @@
           <a:p>
             <a:fld id="{D12C2768-39A0-4FF9-8B80-9C8AB2368080}" type="datetime4">
               <a:rPr lang="en-US" smtClean="0"/>
-              <a:t>May 11, 2022</a:t>
+              <a:t>May 12, 2022</a:t>
             </a:fld>
             <a:endParaRPr lang="en-US"/>
           </a:p>
@@ -7415,7 +7415,7 @@
           <a:p>
             <a:fld id="{2AC58C00-7B94-441C-8745-12431DCFF69F}" type="datetime4">
               <a:rPr lang="en-US" smtClean="0"/>
-              <a:t>May 11, 2022</a:t>
+              <a:t>May 12, 2022</a:t>
             </a:fld>
             <a:endParaRPr lang="en-US"/>
           </a:p>
@@ -7557,7 +7557,7 @@
           <a:p>
             <a:fld id="{FF6AF0F0-EBF4-4AD8-B090-33A31C685300}" type="datetime4">
               <a:rPr lang="en-US" smtClean="0"/>
-              <a:t>May 11, 2022</a:t>
+              <a:t>May 12, 2022</a:t>
             </a:fld>
             <a:endParaRPr lang="en-US"/>
           </a:p>
@@ -7877,7 +7877,7 @@
           <a:p>
             <a:fld id="{2CCCEA74-5CF3-452C-9348-6086333827F5}" type="datetime4">
               <a:rPr lang="en-US" smtClean="0"/>
-              <a:t>May 11, 2022</a:t>
+              <a:t>May 12, 2022</a:t>
             </a:fld>
             <a:endParaRPr lang="en-US"/>
           </a:p>
@@ -8170,7 +8170,7 @@
           <a:p>
             <a:fld id="{A9849EEA-9318-4930-859F-1ADE410F7D19}" type="datetime4">
               <a:rPr lang="en-US" smtClean="0"/>
-              <a:t>May 11, 2022</a:t>
+              <a:t>May 12, 2022</a:t>
             </a:fld>
             <a:endParaRPr lang="en-US"/>
           </a:p>
@@ -8451,7 +8451,7 @@
           <a:p>
             <a:fld id="{D77D9FF4-8C7A-432E-977E-F55438F223C5}" type="datetime4">
               <a:rPr lang="en-US" smtClean="0"/>
-              <a:t>May 11, 2022</a:t>
+              <a:t>May 12, 2022</a:t>
             </a:fld>
             <a:endParaRPr lang="en-US" dirty="0">
               <a:latin typeface="+mn-lt"/>
@@ -14585,7 +14585,7 @@
                                 </p:cTn>
                               </p:par>
                               <p:par>
-                                <p:cTn id="11" presetID="10" presetClass="entr" presetSubtype="0" fill="hold" nodeType="withEffect">
+                                <p:cTn id="11" presetID="10" presetClass="entr" presetSubtype="0" fill="hold" grpId="0" nodeType="withEffect">
                                   <p:stCondLst>
                                     <p:cond delay="0"/>
                                   </p:stCondLst>
@@ -14598,7 +14598,7 @@
                                           </p:stCondLst>
                                         </p:cTn>
                                         <p:tgtEl>
-                                          <p:spTgt spid="26"/>
+                                          <p:spTgt spid="50"/>
                                         </p:tgtEl>
                                         <p:attrNameLst>
                                           <p:attrName>style.visibility</p:attrName>
@@ -14612,7 +14612,7 @@
                                       <p:cBhvr>
                                         <p:cTn id="13" dur="500"/>
                                         <p:tgtEl>
-                                          <p:spTgt spid="26"/>
+                                          <p:spTgt spid="50"/>
                                         </p:tgtEl>
                                       </p:cBhvr>
                                     </p:animEffect>
@@ -14638,7 +14638,7 @@
                             </p:stCondLst>
                             <p:childTnLst>
                               <p:par>
-                                <p:cTn id="16" presetID="10" presetClass="entr" presetSubtype="0" fill="hold" grpId="0" nodeType="clickEffect">
+                                <p:cTn id="16" presetID="10" presetClass="entr" presetSubtype="0" fill="hold" nodeType="clickEffect">
                                   <p:stCondLst>
                                     <p:cond delay="0"/>
                                   </p:stCondLst>
@@ -14651,7 +14651,7 @@
                                           </p:stCondLst>
                                         </p:cTn>
                                         <p:tgtEl>
-                                          <p:spTgt spid="50"/>
+                                          <p:spTgt spid="26"/>
                                         </p:tgtEl>
                                         <p:attrNameLst>
                                           <p:attrName>style.visibility</p:attrName>
@@ -14665,7 +14665,7 @@
                                       <p:cBhvr>
                                         <p:cTn id="18" dur="500"/>
                                         <p:tgtEl>
-                                          <p:spTgt spid="50"/>
+                                          <p:spTgt spid="26"/>
                                         </p:tgtEl>
                                       </p:cBhvr>
                                     </p:animEffect>
@@ -34930,7 +34930,7 @@
                             </p:stCondLst>
                             <p:childTnLst>
                               <p:par>
-                                <p:cTn id="5" presetID="1" presetClass="entr" presetSubtype="0" fill="hold" grpId="0" nodeType="clickEffect">
+                                <p:cTn id="5" presetID="10" presetClass="entr" presetSubtype="0" fill="hold" grpId="0" nodeType="clickEffect">
                                   <p:stCondLst>
                                     <p:cond delay="0"/>
                                   </p:stCondLst>
@@ -34938,51 +34938,6 @@
                                     <p:set>
                                       <p:cBhvr>
                                         <p:cTn id="6" dur="1" fill="hold">
-                                          <p:stCondLst>
-                                            <p:cond delay="0"/>
-                                          </p:stCondLst>
-                                        </p:cTn>
-                                        <p:tgtEl>
-                                          <p:spTgt spid="13"/>
-                                        </p:tgtEl>
-                                        <p:attrNameLst>
-                                          <p:attrName>style.visibility</p:attrName>
-                                        </p:attrNameLst>
-                                      </p:cBhvr>
-                                      <p:to>
-                                        <p:strVal val="visible"/>
-                                      </p:to>
-                                    </p:set>
-                                  </p:childTnLst>
-                                </p:cTn>
-                              </p:par>
-                            </p:childTnLst>
-                          </p:cTn>
-                        </p:par>
-                      </p:childTnLst>
-                    </p:cTn>
-                  </p:par>
-                  <p:par>
-                    <p:cTn id="7" fill="hold">
-                      <p:stCondLst>
-                        <p:cond delay="indefinite"/>
-                      </p:stCondLst>
-                      <p:childTnLst>
-                        <p:par>
-                          <p:cTn id="8" fill="hold">
-                            <p:stCondLst>
-                              <p:cond delay="0"/>
-                            </p:stCondLst>
-                            <p:childTnLst>
-                              <p:par>
-                                <p:cTn id="9" presetID="10" presetClass="entr" presetSubtype="0" fill="hold" grpId="0" nodeType="clickEffect">
-                                  <p:stCondLst>
-                                    <p:cond delay="0"/>
-                                  </p:stCondLst>
-                                  <p:childTnLst>
-                                    <p:set>
-                                      <p:cBhvr>
-                                        <p:cTn id="10" dur="1" fill="hold">
                                           <p:stCondLst>
                                             <p:cond delay="0"/>
                                           </p:stCondLst>
@@ -35000,12 +34955,57 @@
                                     </p:set>
                                     <p:animEffect transition="in" filter="fade">
                                       <p:cBhvr>
-                                        <p:cTn id="11" dur="500"/>
+                                        <p:cTn id="7" dur="500"/>
                                         <p:tgtEl>
                                           <p:spTgt spid="19"/>
                                         </p:tgtEl>
                                       </p:cBhvr>
                                     </p:animEffect>
+                                  </p:childTnLst>
+                                </p:cTn>
+                              </p:par>
+                            </p:childTnLst>
+                          </p:cTn>
+                        </p:par>
+                      </p:childTnLst>
+                    </p:cTn>
+                  </p:par>
+                  <p:par>
+                    <p:cTn id="8" fill="hold">
+                      <p:stCondLst>
+                        <p:cond delay="indefinite"/>
+                      </p:stCondLst>
+                      <p:childTnLst>
+                        <p:par>
+                          <p:cTn id="9" fill="hold">
+                            <p:stCondLst>
+                              <p:cond delay="0"/>
+                            </p:stCondLst>
+                            <p:childTnLst>
+                              <p:par>
+                                <p:cTn id="10" presetID="1" presetClass="entr" presetSubtype="0" fill="hold" grpId="0" nodeType="clickEffect">
+                                  <p:stCondLst>
+                                    <p:cond delay="0"/>
+                                  </p:stCondLst>
+                                  <p:childTnLst>
+                                    <p:set>
+                                      <p:cBhvr>
+                                        <p:cTn id="11" dur="1" fill="hold">
+                                          <p:stCondLst>
+                                            <p:cond delay="0"/>
+                                          </p:stCondLst>
+                                        </p:cTn>
+                                        <p:tgtEl>
+                                          <p:spTgt spid="24"/>
+                                        </p:tgtEl>
+                                        <p:attrNameLst>
+                                          <p:attrName>style.visibility</p:attrName>
+                                        </p:attrNameLst>
+                                      </p:cBhvr>
+                                      <p:to>
+                                        <p:strVal val="visible"/>
+                                      </p:to>
+                                    </p:set>
                                   </p:childTnLst>
                                 </p:cTn>
                               </p:par>
@@ -35129,7 +35129,7 @@
                                           </p:stCondLst>
                                         </p:cTn>
                                         <p:tgtEl>
-                                          <p:spTgt spid="24"/>
+                                          <p:spTgt spid="28"/>
                                         </p:tgtEl>
                                         <p:attrNameLst>
                                           <p:attrName>style.visibility</p:attrName>
@@ -35187,33 +35187,15 @@
                                   </p:childTnLst>
                                 </p:cTn>
                               </p:par>
-                            </p:childTnLst>
-                          </p:cTn>
-                        </p:par>
-                      </p:childTnLst>
-                    </p:cTn>
-                  </p:par>
-                  <p:par>
-                    <p:cTn id="28" fill="hold">
-                      <p:stCondLst>
-                        <p:cond delay="indefinite"/>
-                      </p:stCondLst>
-                      <p:childTnLst>
-                        <p:par>
-                          <p:cTn id="29" fill="hold">
-                            <p:stCondLst>
-                              <p:cond delay="0"/>
-                            </p:stCondLst>
-                            <p:childTnLst>
                               <p:par>
-                                <p:cTn id="30" presetID="1" presetClass="entr" presetSubtype="0" fill="hold" grpId="0" nodeType="clickEffect">
+                                <p:cTn id="28" presetID="1" presetClass="entr" presetSubtype="0" fill="hold" grpId="0" nodeType="withEffect">
                                   <p:stCondLst>
                                     <p:cond delay="0"/>
                                   </p:stCondLst>
                                   <p:childTnLst>
                                     <p:set>
                                       <p:cBhvr>
-                                        <p:cTn id="31" dur="1" fill="hold">
+                                        <p:cTn id="29" dur="1" fill="hold">
                                           <p:stCondLst>
                                             <p:cond delay="0"/>
                                           </p:stCondLst>
@@ -35239,19 +35221,46 @@
                     </p:cTn>
                   </p:par>
                   <p:par>
-                    <p:cTn id="32" fill="hold">
+                    <p:cTn id="30" fill="hold">
                       <p:stCondLst>
                         <p:cond delay="indefinite"/>
                       </p:stCondLst>
                       <p:childTnLst>
                         <p:par>
-                          <p:cTn id="33" fill="hold">
+                          <p:cTn id="31" fill="hold">
                             <p:stCondLst>
                               <p:cond delay="0"/>
                             </p:stCondLst>
                             <p:childTnLst>
                               <p:par>
-                                <p:cTn id="34" presetID="1" presetClass="entr" presetSubtype="0" fill="hold" grpId="0" nodeType="clickEffect">
+                                <p:cTn id="32" presetID="1" presetClass="entr" presetSubtype="0" fill="hold" grpId="0" nodeType="clickEffect">
+                                  <p:stCondLst>
+                                    <p:cond delay="0"/>
+                                  </p:stCondLst>
+                                  <p:childTnLst>
+                                    <p:set>
+                                      <p:cBhvr>
+                                        <p:cTn id="33" dur="1" fill="hold">
+                                          <p:stCondLst>
+                                            <p:cond delay="0"/>
+                                          </p:stCondLst>
+                                        </p:cTn>
+                                        <p:tgtEl>
+                                          <p:spTgt spid="13"/>
+                                        </p:tgtEl>
+                                        <p:attrNameLst>
+                                          <p:attrName>style.visibility</p:attrName>
+                                        </p:attrNameLst>
+                                      </p:cBhvr>
+                                      <p:to>
+                                        <p:strVal val="visible"/>
+                                      </p:to>
+                                    </p:set>
+                                  </p:childTnLst>
+                                </p:cTn>
+                              </p:par>
+                              <p:par>
+                                <p:cTn id="34" presetID="1" presetClass="entr" presetSubtype="0" fill="hold" nodeType="withEffect">
                                   <p:stCondLst>
                                     <p:cond delay="0"/>
                                   </p:stCondLst>
@@ -35264,7 +35273,7 @@
                                           </p:stCondLst>
                                         </p:cTn>
                                         <p:tgtEl>
-                                          <p:spTgt spid="28"/>
+                                          <p:spTgt spid="30"/>
                                         </p:tgtEl>
                                         <p:attrNameLst>
                                           <p:attrName>style.visibility</p:attrName>
